--- a/docs/diagrams/RegisterDoctorSequenceDiagram.pptx
+++ b/docs/diagrams/RegisterDoctorSequenceDiagram.pptx
@@ -104,6 +104,11 @@
       </a:defRPr>
     </a:lvl9pPr>
   </p:defaultTextStyle>
+  <p:extLst>
+    <p:ext uri="{EFAFB233-063F-42B5-8137-9DF3F51BA10A}">
+      <p15:sldGuideLst xmlns:p15="http://schemas.microsoft.com/office/powerpoint/2012/main"/>
+    </p:ext>
+  </p:extLst>
 </p:presentation>
 </file>
 
@@ -256,7 +261,7 @@
           <a:p>
             <a:fld id="{5C24EE0F-D845-48DD-AAFC-828C42F8D67C}" type="datetimeFigureOut">
               <a:rPr lang="en-SG" smtClean="0"/>
-              <a:t>24/10/2018</a:t>
+              <a:t>12/11/2018</a:t>
             </a:fld>
             <a:endParaRPr lang="en-SG"/>
           </a:p>
@@ -456,7 +461,7 @@
           <a:p>
             <a:fld id="{5C24EE0F-D845-48DD-AAFC-828C42F8D67C}" type="datetimeFigureOut">
               <a:rPr lang="en-SG" smtClean="0"/>
-              <a:t>24/10/2018</a:t>
+              <a:t>12/11/2018</a:t>
             </a:fld>
             <a:endParaRPr lang="en-SG"/>
           </a:p>
@@ -666,7 +671,7 @@
           <a:p>
             <a:fld id="{5C24EE0F-D845-48DD-AAFC-828C42F8D67C}" type="datetimeFigureOut">
               <a:rPr lang="en-SG" smtClean="0"/>
-              <a:t>24/10/2018</a:t>
+              <a:t>12/11/2018</a:t>
             </a:fld>
             <a:endParaRPr lang="en-SG"/>
           </a:p>
@@ -866,7 +871,7 @@
           <a:p>
             <a:fld id="{5C24EE0F-D845-48DD-AAFC-828C42F8D67C}" type="datetimeFigureOut">
               <a:rPr lang="en-SG" smtClean="0"/>
-              <a:t>24/10/2018</a:t>
+              <a:t>12/11/2018</a:t>
             </a:fld>
             <a:endParaRPr lang="en-SG"/>
           </a:p>
@@ -1142,7 +1147,7 @@
           <a:p>
             <a:fld id="{5C24EE0F-D845-48DD-AAFC-828C42F8D67C}" type="datetimeFigureOut">
               <a:rPr lang="en-SG" smtClean="0"/>
-              <a:t>24/10/2018</a:t>
+              <a:t>12/11/2018</a:t>
             </a:fld>
             <a:endParaRPr lang="en-SG"/>
           </a:p>
@@ -1410,7 +1415,7 @@
           <a:p>
             <a:fld id="{5C24EE0F-D845-48DD-AAFC-828C42F8D67C}" type="datetimeFigureOut">
               <a:rPr lang="en-SG" smtClean="0"/>
-              <a:t>24/10/2018</a:t>
+              <a:t>12/11/2018</a:t>
             </a:fld>
             <a:endParaRPr lang="en-SG"/>
           </a:p>
@@ -1825,7 +1830,7 @@
           <a:p>
             <a:fld id="{5C24EE0F-D845-48DD-AAFC-828C42F8D67C}" type="datetimeFigureOut">
               <a:rPr lang="en-SG" smtClean="0"/>
-              <a:t>24/10/2018</a:t>
+              <a:t>12/11/2018</a:t>
             </a:fld>
             <a:endParaRPr lang="en-SG"/>
           </a:p>
@@ -1967,7 +1972,7 @@
           <a:p>
             <a:fld id="{5C24EE0F-D845-48DD-AAFC-828C42F8D67C}" type="datetimeFigureOut">
               <a:rPr lang="en-SG" smtClean="0"/>
-              <a:t>24/10/2018</a:t>
+              <a:t>12/11/2018</a:t>
             </a:fld>
             <a:endParaRPr lang="en-SG"/>
           </a:p>
@@ -2080,7 +2085,7 @@
           <a:p>
             <a:fld id="{5C24EE0F-D845-48DD-AAFC-828C42F8D67C}" type="datetimeFigureOut">
               <a:rPr lang="en-SG" smtClean="0"/>
-              <a:t>24/10/2018</a:t>
+              <a:t>12/11/2018</a:t>
             </a:fld>
             <a:endParaRPr lang="en-SG"/>
           </a:p>
@@ -2393,7 +2398,7 @@
           <a:p>
             <a:fld id="{5C24EE0F-D845-48DD-AAFC-828C42F8D67C}" type="datetimeFigureOut">
               <a:rPr lang="en-SG" smtClean="0"/>
-              <a:t>24/10/2018</a:t>
+              <a:t>12/11/2018</a:t>
             </a:fld>
             <a:endParaRPr lang="en-SG"/>
           </a:p>
@@ -2682,7 +2687,7 @@
           <a:p>
             <a:fld id="{5C24EE0F-D845-48DD-AAFC-828C42F8D67C}" type="datetimeFigureOut">
               <a:rPr lang="en-SG" smtClean="0"/>
-              <a:t>24/10/2018</a:t>
+              <a:t>12/11/2018</a:t>
             </a:fld>
             <a:endParaRPr lang="en-SG"/>
           </a:p>
@@ -2925,7 +2930,7 @@
           <a:p>
             <a:fld id="{5C24EE0F-D845-48DD-AAFC-828C42F8D67C}" type="datetimeFigureOut">
               <a:rPr lang="en-SG" smtClean="0"/>
-              <a:t>24/10/2018</a:t>
+              <a:t>12/11/2018</a:t>
             </a:fld>
             <a:endParaRPr lang="en-SG"/>
           </a:p>
@@ -3356,7 +3361,7 @@
         </p:nvSpPr>
         <p:spPr>
           <a:xfrm>
-            <a:off x="7647042" y="148812"/>
+            <a:off x="8053442" y="148812"/>
             <a:ext cx="3903825" cy="3749420"/>
           </a:xfrm>
           <a:prstGeom prst="roundRect">
@@ -3517,8 +3522,8 @@
         </p:nvSpPr>
         <p:spPr>
           <a:xfrm>
-            <a:off x="700399" y="127345"/>
-            <a:ext cx="6819046" cy="6180741"/>
+            <a:off x="700398" y="127345"/>
+            <a:ext cx="7169507" cy="6180741"/>
           </a:xfrm>
           <a:prstGeom prst="roundRect">
             <a:avLst>
@@ -4605,7 +4610,7 @@
           </a:prstGeom>
           <a:ln w="19050">
             <a:solidFill>
-              <a:srgbClr val="00B050"/>
+              <a:srgbClr val="0070C0"/>
             </a:solidFill>
             <a:tailEnd type="arrow"/>
           </a:ln>
@@ -5227,7 +5232,7 @@
         </p:nvSpPr>
         <p:spPr>
           <a:xfrm>
-            <a:off x="6968753" y="2743054"/>
+            <a:off x="7375153" y="2743054"/>
             <a:ext cx="886605" cy="215444"/>
           </a:xfrm>
           <a:prstGeom prst="rect">
@@ -5768,7 +5773,7 @@
         </p:nvSpPr>
         <p:spPr>
           <a:xfrm>
-            <a:off x="8684823" y="2563414"/>
+            <a:off x="9091223" y="2563414"/>
             <a:ext cx="2181777" cy="335427"/>
           </a:xfrm>
           <a:prstGeom prst="rect">
@@ -5935,7 +5940,7 @@
         </p:nvSpPr>
         <p:spPr>
           <a:xfrm>
-            <a:off x="9701875" y="3177648"/>
+            <a:off x="10108275" y="3177648"/>
             <a:ext cx="129933" cy="398562"/>
           </a:xfrm>
           <a:prstGeom prst="rect">
@@ -6211,7 +6216,7 @@
         </p:nvSpPr>
         <p:spPr>
           <a:xfrm>
-            <a:off x="7737433" y="2357008"/>
+            <a:off x="8143833" y="2357008"/>
             <a:ext cx="841636" cy="300180"/>
           </a:xfrm>
           <a:prstGeom prst="rect">
@@ -6372,7 +6377,7 @@
         </p:nvCxnSpPr>
         <p:spPr>
           <a:xfrm flipH="1">
-            <a:off x="8178118" y="2648114"/>
+            <a:off x="8584518" y="2648114"/>
             <a:ext cx="1" cy="1137770"/>
           </a:xfrm>
           <a:prstGeom prst="line">
@@ -6415,7 +6420,7 @@
         </p:nvSpPr>
         <p:spPr>
           <a:xfrm>
-            <a:off x="8075195" y="2960957"/>
+            <a:off x="8481595" y="2960957"/>
             <a:ext cx="168896" cy="641068"/>
           </a:xfrm>
           <a:prstGeom prst="rect">
@@ -6564,8 +6569,8 @@
         </p:nvCxnSpPr>
         <p:spPr>
           <a:xfrm>
-            <a:off x="6873423" y="2970152"/>
-            <a:ext cx="1210345" cy="0"/>
+            <a:off x="6865950" y="2970152"/>
+            <a:ext cx="1624218" cy="0"/>
           </a:xfrm>
           <a:prstGeom prst="straightConnector1">
             <a:avLst/>
@@ -6740,7 +6745,7 @@
         <p:spPr>
           <a:xfrm>
             <a:off x="6223644" y="1036208"/>
-            <a:ext cx="1093635" cy="731206"/>
+            <a:ext cx="1485866" cy="731206"/>
           </a:xfrm>
           <a:prstGeom prst="rect">
             <a:avLst/>
@@ -6874,7 +6879,7 @@
                   <a:schemeClr val="bg1"/>
                 </a:solidFill>
               </a:rPr>
-              <a:t>u:RegisterPatient</a:t>
+              <a:t>u:RegisterDoctor</a:t>
             </a:r>
             <a:br>
               <a:rPr lang="en-US" sz="1400" dirty="0">
@@ -7049,7 +7054,7 @@
         </p:nvCxnSpPr>
         <p:spPr>
           <a:xfrm>
-            <a:off x="9775711" y="2866163"/>
+            <a:off x="10182111" y="2866163"/>
             <a:ext cx="1" cy="919721"/>
           </a:xfrm>
           <a:prstGeom prst="line">
@@ -7092,7 +7097,7 @@
         </p:nvSpPr>
         <p:spPr>
           <a:xfrm>
-            <a:off x="8650995" y="2969421"/>
+            <a:off x="9057395" y="2969421"/>
             <a:ext cx="977349" cy="430887"/>
           </a:xfrm>
           <a:prstGeom prst="rect">
@@ -7245,7 +7250,7 @@
         </p:nvCxnSpPr>
         <p:spPr>
           <a:xfrm>
-            <a:off x="8231659" y="3177647"/>
+            <a:off x="8638059" y="3177647"/>
             <a:ext cx="1470216" cy="0"/>
           </a:xfrm>
           <a:prstGeom prst="straightConnector1">
@@ -7289,7 +7294,7 @@
         </p:nvCxnSpPr>
         <p:spPr>
           <a:xfrm flipV="1">
-            <a:off x="8231659" y="3559057"/>
+            <a:off x="8638059" y="3559057"/>
             <a:ext cx="1470216" cy="7654"/>
           </a:xfrm>
           <a:prstGeom prst="straightConnector1">
@@ -7335,8 +7340,8 @@
         </p:nvCxnSpPr>
         <p:spPr>
           <a:xfrm>
-            <a:off x="6878450" y="3629464"/>
-            <a:ext cx="1281192" cy="3364"/>
+            <a:off x="6809363" y="3629465"/>
+            <a:ext cx="1756679" cy="3363"/>
           </a:xfrm>
           <a:prstGeom prst="straightConnector1">
             <a:avLst/>
@@ -7379,7 +7384,7 @@
         </p:nvSpPr>
         <p:spPr>
           <a:xfrm>
-            <a:off x="7665760" y="3980260"/>
+            <a:off x="8072160" y="3980260"/>
             <a:ext cx="3903825" cy="2327825"/>
           </a:xfrm>
           <a:prstGeom prst="roundRect">
@@ -7564,7 +7569,7 @@
         </p:nvSpPr>
         <p:spPr>
           <a:xfrm>
-            <a:off x="8329599" y="4300389"/>
+            <a:off x="8735999" y="4300389"/>
             <a:ext cx="1640111" cy="300180"/>
           </a:xfrm>
           <a:prstGeom prst="rect">
@@ -7737,7 +7742,7 @@
         </p:nvCxnSpPr>
         <p:spPr>
           <a:xfrm flipH="1">
-            <a:off x="9150271" y="4591495"/>
+            <a:off x="9556671" y="4591495"/>
             <a:ext cx="1" cy="1137770"/>
           </a:xfrm>
           <a:prstGeom prst="line">
@@ -7782,7 +7787,7 @@
         </p:nvSpPr>
         <p:spPr>
           <a:xfrm>
-            <a:off x="9066598" y="4582199"/>
+            <a:off x="9472998" y="4582199"/>
             <a:ext cx="168896" cy="168814"/>
           </a:xfrm>
           <a:prstGeom prst="rect">
@@ -7936,7 +7941,7 @@
         <p:spPr>
           <a:xfrm>
             <a:off x="6829019" y="4300389"/>
-            <a:ext cx="1464518" cy="0"/>
+            <a:ext cx="1902817" cy="0"/>
           </a:xfrm>
           <a:prstGeom prst="straightConnector1">
             <a:avLst/>
@@ -7979,8 +7984,8 @@
         </p:nvCxnSpPr>
         <p:spPr>
           <a:xfrm>
-            <a:off x="6916125" y="4589414"/>
-            <a:ext cx="1409311" cy="3058"/>
+            <a:off x="6829019" y="4582199"/>
+            <a:ext cx="1902817" cy="10273"/>
           </a:xfrm>
           <a:prstGeom prst="straightConnector1">
             <a:avLst/>
@@ -8022,13 +8027,14 @@
           </p:cNvPr>
           <p:cNvCxnSpPr>
             <a:cxnSpLocks/>
+            <a:endCxn id="62" idx="0"/>
           </p:cNvCxnSpPr>
           <p:nvPr/>
         </p:nvCxnSpPr>
         <p:spPr>
           <a:xfrm>
-            <a:off x="6882878" y="4903639"/>
-            <a:ext cx="2144201" cy="0"/>
+            <a:off x="6875478" y="4887001"/>
+            <a:ext cx="2688406" cy="0"/>
           </a:xfrm>
           <a:prstGeom prst="straightConnector1">
             <a:avLst/>
@@ -8069,7 +8075,7 @@
         </p:nvSpPr>
         <p:spPr>
           <a:xfrm>
-            <a:off x="9073036" y="4887001"/>
+            <a:off x="9479436" y="4887001"/>
             <a:ext cx="168896" cy="328972"/>
           </a:xfrm>
           <a:prstGeom prst="rect">
@@ -8220,7 +8226,7 @@
         </p:nvSpPr>
         <p:spPr>
           <a:xfrm>
-            <a:off x="6926961" y="4072476"/>
+            <a:off x="7333361" y="4072476"/>
             <a:ext cx="1492973" cy="184666"/>
           </a:xfrm>
           <a:prstGeom prst="rect">
@@ -8365,7 +8371,7 @@
         </p:nvSpPr>
         <p:spPr>
           <a:xfrm>
-            <a:off x="6942394" y="4658774"/>
+            <a:off x="7348794" y="4658774"/>
             <a:ext cx="1217247" cy="215444"/>
           </a:xfrm>
           <a:prstGeom prst="rect">
@@ -8512,8 +8518,8 @@
         </p:nvCxnSpPr>
         <p:spPr>
           <a:xfrm>
-            <a:off x="6892326" y="5205364"/>
-            <a:ext cx="2269709" cy="3058"/>
+            <a:off x="6836178" y="5198168"/>
+            <a:ext cx="2732257" cy="10254"/>
           </a:xfrm>
           <a:prstGeom prst="straightConnector1">
             <a:avLst/>
@@ -8558,7 +8564,7 @@
         </p:nvSpPr>
         <p:spPr>
           <a:xfrm>
-            <a:off x="9226596" y="4984827"/>
+            <a:off x="9632996" y="4984827"/>
             <a:ext cx="130731" cy="95991"/>
           </a:xfrm>
           <a:prstGeom prst="rect">
@@ -8711,7 +8717,7 @@
         </p:nvCxnSpPr>
         <p:spPr>
           <a:xfrm>
-            <a:off x="9264106" y="4887003"/>
+            <a:off x="9670506" y="4887003"/>
             <a:ext cx="93222" cy="87003"/>
           </a:xfrm>
           <a:prstGeom prst="curvedConnector3">
@@ -8757,7 +8763,7 @@
         </p:nvSpPr>
         <p:spPr>
           <a:xfrm>
-            <a:off x="9584185" y="4752979"/>
+            <a:off x="9990585" y="4752979"/>
             <a:ext cx="1217247" cy="215444"/>
           </a:xfrm>
           <a:prstGeom prst="rect">
@@ -8904,7 +8910,7 @@
         </p:nvCxnSpPr>
         <p:spPr>
           <a:xfrm rot="10800000" flipV="1">
-            <a:off x="9271758" y="5086762"/>
+            <a:off x="9678158" y="5086762"/>
             <a:ext cx="130391" cy="57409"/>
           </a:xfrm>
           <a:prstGeom prst="curvedConnector3">

--- a/docs/diagrams/RegisterDoctorSequenceDiagram.pptx
+++ b/docs/diagrams/RegisterDoctorSequenceDiagram.pptx
@@ -104,11 +104,6 @@
       </a:defRPr>
     </a:lvl9pPr>
   </p:defaultTextStyle>
-  <p:extLst>
-    <p:ext uri="{EFAFB233-063F-42B5-8137-9DF3F51BA10A}">
-      <p15:sldGuideLst xmlns:p15="http://schemas.microsoft.com/office/powerpoint/2012/main"/>
-    </p:ext>
-  </p:extLst>
 </p:presentation>
 </file>
 
@@ -261,7 +256,7 @@
           <a:p>
             <a:fld id="{5C24EE0F-D845-48DD-AAFC-828C42F8D67C}" type="datetimeFigureOut">
               <a:rPr lang="en-SG" smtClean="0"/>
-              <a:t>12/11/2018</a:t>
+              <a:t>24/10/2018</a:t>
             </a:fld>
             <a:endParaRPr lang="en-SG"/>
           </a:p>
@@ -461,7 +456,7 @@
           <a:p>
             <a:fld id="{5C24EE0F-D845-48DD-AAFC-828C42F8D67C}" type="datetimeFigureOut">
               <a:rPr lang="en-SG" smtClean="0"/>
-              <a:t>12/11/2018</a:t>
+              <a:t>24/10/2018</a:t>
             </a:fld>
             <a:endParaRPr lang="en-SG"/>
           </a:p>
@@ -671,7 +666,7 @@
           <a:p>
             <a:fld id="{5C24EE0F-D845-48DD-AAFC-828C42F8D67C}" type="datetimeFigureOut">
               <a:rPr lang="en-SG" smtClean="0"/>
-              <a:t>12/11/2018</a:t>
+              <a:t>24/10/2018</a:t>
             </a:fld>
             <a:endParaRPr lang="en-SG"/>
           </a:p>
@@ -871,7 +866,7 @@
           <a:p>
             <a:fld id="{5C24EE0F-D845-48DD-AAFC-828C42F8D67C}" type="datetimeFigureOut">
               <a:rPr lang="en-SG" smtClean="0"/>
-              <a:t>12/11/2018</a:t>
+              <a:t>24/10/2018</a:t>
             </a:fld>
             <a:endParaRPr lang="en-SG"/>
           </a:p>
@@ -1147,7 +1142,7 @@
           <a:p>
             <a:fld id="{5C24EE0F-D845-48DD-AAFC-828C42F8D67C}" type="datetimeFigureOut">
               <a:rPr lang="en-SG" smtClean="0"/>
-              <a:t>12/11/2018</a:t>
+              <a:t>24/10/2018</a:t>
             </a:fld>
             <a:endParaRPr lang="en-SG"/>
           </a:p>
@@ -1415,7 +1410,7 @@
           <a:p>
             <a:fld id="{5C24EE0F-D845-48DD-AAFC-828C42F8D67C}" type="datetimeFigureOut">
               <a:rPr lang="en-SG" smtClean="0"/>
-              <a:t>12/11/2018</a:t>
+              <a:t>24/10/2018</a:t>
             </a:fld>
             <a:endParaRPr lang="en-SG"/>
           </a:p>
@@ -1830,7 +1825,7 @@
           <a:p>
             <a:fld id="{5C24EE0F-D845-48DD-AAFC-828C42F8D67C}" type="datetimeFigureOut">
               <a:rPr lang="en-SG" smtClean="0"/>
-              <a:t>12/11/2018</a:t>
+              <a:t>24/10/2018</a:t>
             </a:fld>
             <a:endParaRPr lang="en-SG"/>
           </a:p>
@@ -1972,7 +1967,7 @@
           <a:p>
             <a:fld id="{5C24EE0F-D845-48DD-AAFC-828C42F8D67C}" type="datetimeFigureOut">
               <a:rPr lang="en-SG" smtClean="0"/>
-              <a:t>12/11/2018</a:t>
+              <a:t>24/10/2018</a:t>
             </a:fld>
             <a:endParaRPr lang="en-SG"/>
           </a:p>
@@ -2085,7 +2080,7 @@
           <a:p>
             <a:fld id="{5C24EE0F-D845-48DD-AAFC-828C42F8D67C}" type="datetimeFigureOut">
               <a:rPr lang="en-SG" smtClean="0"/>
-              <a:t>12/11/2018</a:t>
+              <a:t>24/10/2018</a:t>
             </a:fld>
             <a:endParaRPr lang="en-SG"/>
           </a:p>
@@ -2398,7 +2393,7 @@
           <a:p>
             <a:fld id="{5C24EE0F-D845-48DD-AAFC-828C42F8D67C}" type="datetimeFigureOut">
               <a:rPr lang="en-SG" smtClean="0"/>
-              <a:t>12/11/2018</a:t>
+              <a:t>24/10/2018</a:t>
             </a:fld>
             <a:endParaRPr lang="en-SG"/>
           </a:p>
@@ -2687,7 +2682,7 @@
           <a:p>
             <a:fld id="{5C24EE0F-D845-48DD-AAFC-828C42F8D67C}" type="datetimeFigureOut">
               <a:rPr lang="en-SG" smtClean="0"/>
-              <a:t>12/11/2018</a:t>
+              <a:t>24/10/2018</a:t>
             </a:fld>
             <a:endParaRPr lang="en-SG"/>
           </a:p>
@@ -2930,7 +2925,7 @@
           <a:p>
             <a:fld id="{5C24EE0F-D845-48DD-AAFC-828C42F8D67C}" type="datetimeFigureOut">
               <a:rPr lang="en-SG" smtClean="0"/>
-              <a:t>12/11/2018</a:t>
+              <a:t>24/10/2018</a:t>
             </a:fld>
             <a:endParaRPr lang="en-SG"/>
           </a:p>
@@ -3361,7 +3356,7 @@
         </p:nvSpPr>
         <p:spPr>
           <a:xfrm>
-            <a:off x="8053442" y="148812"/>
+            <a:off x="7647042" y="148812"/>
             <a:ext cx="3903825" cy="3749420"/>
           </a:xfrm>
           <a:prstGeom prst="roundRect">
@@ -3522,8 +3517,8 @@
         </p:nvSpPr>
         <p:spPr>
           <a:xfrm>
-            <a:off x="700398" y="127345"/>
-            <a:ext cx="7169507" cy="6180741"/>
+            <a:off x="700399" y="127345"/>
+            <a:ext cx="6819046" cy="6180741"/>
           </a:xfrm>
           <a:prstGeom prst="roundRect">
             <a:avLst>
@@ -4610,7 +4605,7 @@
           </a:prstGeom>
           <a:ln w="19050">
             <a:solidFill>
-              <a:srgbClr val="0070C0"/>
+              <a:srgbClr val="00B050"/>
             </a:solidFill>
             <a:tailEnd type="arrow"/>
           </a:ln>
@@ -5232,7 +5227,7 @@
         </p:nvSpPr>
         <p:spPr>
           <a:xfrm>
-            <a:off x="7375153" y="2743054"/>
+            <a:off x="6968753" y="2743054"/>
             <a:ext cx="886605" cy="215444"/>
           </a:xfrm>
           <a:prstGeom prst="rect">
@@ -5773,7 +5768,7 @@
         </p:nvSpPr>
         <p:spPr>
           <a:xfrm>
-            <a:off x="9091223" y="2563414"/>
+            <a:off x="8684823" y="2563414"/>
             <a:ext cx="2181777" cy="335427"/>
           </a:xfrm>
           <a:prstGeom prst="rect">
@@ -5940,7 +5935,7 @@
         </p:nvSpPr>
         <p:spPr>
           <a:xfrm>
-            <a:off x="10108275" y="3177648"/>
+            <a:off x="9701875" y="3177648"/>
             <a:ext cx="129933" cy="398562"/>
           </a:xfrm>
           <a:prstGeom prst="rect">
@@ -6216,7 +6211,7 @@
         </p:nvSpPr>
         <p:spPr>
           <a:xfrm>
-            <a:off x="8143833" y="2357008"/>
+            <a:off x="7737433" y="2357008"/>
             <a:ext cx="841636" cy="300180"/>
           </a:xfrm>
           <a:prstGeom prst="rect">
@@ -6377,7 +6372,7 @@
         </p:nvCxnSpPr>
         <p:spPr>
           <a:xfrm flipH="1">
-            <a:off x="8584518" y="2648114"/>
+            <a:off x="8178118" y="2648114"/>
             <a:ext cx="1" cy="1137770"/>
           </a:xfrm>
           <a:prstGeom prst="line">
@@ -6420,7 +6415,7 @@
         </p:nvSpPr>
         <p:spPr>
           <a:xfrm>
-            <a:off x="8481595" y="2960957"/>
+            <a:off x="8075195" y="2960957"/>
             <a:ext cx="168896" cy="641068"/>
           </a:xfrm>
           <a:prstGeom prst="rect">
@@ -6569,8 +6564,8 @@
         </p:nvCxnSpPr>
         <p:spPr>
           <a:xfrm>
-            <a:off x="6865950" y="2970152"/>
-            <a:ext cx="1624218" cy="0"/>
+            <a:off x="6873423" y="2970152"/>
+            <a:ext cx="1210345" cy="0"/>
           </a:xfrm>
           <a:prstGeom prst="straightConnector1">
             <a:avLst/>
@@ -6745,7 +6740,7 @@
         <p:spPr>
           <a:xfrm>
             <a:off x="6223644" y="1036208"/>
-            <a:ext cx="1485866" cy="731206"/>
+            <a:ext cx="1093635" cy="731206"/>
           </a:xfrm>
           <a:prstGeom prst="rect">
             <a:avLst/>
@@ -6879,7 +6874,7 @@
                   <a:schemeClr val="bg1"/>
                 </a:solidFill>
               </a:rPr>
-              <a:t>u:RegisterDoctor</a:t>
+              <a:t>u:RegisterPatient</a:t>
             </a:r>
             <a:br>
               <a:rPr lang="en-US" sz="1400" dirty="0">
@@ -7054,7 +7049,7 @@
         </p:nvCxnSpPr>
         <p:spPr>
           <a:xfrm>
-            <a:off x="10182111" y="2866163"/>
+            <a:off x="9775711" y="2866163"/>
             <a:ext cx="1" cy="919721"/>
           </a:xfrm>
           <a:prstGeom prst="line">
@@ -7097,7 +7092,7 @@
         </p:nvSpPr>
         <p:spPr>
           <a:xfrm>
-            <a:off x="9057395" y="2969421"/>
+            <a:off x="8650995" y="2969421"/>
             <a:ext cx="977349" cy="430887"/>
           </a:xfrm>
           <a:prstGeom prst="rect">
@@ -7250,7 +7245,7 @@
         </p:nvCxnSpPr>
         <p:spPr>
           <a:xfrm>
-            <a:off x="8638059" y="3177647"/>
+            <a:off x="8231659" y="3177647"/>
             <a:ext cx="1470216" cy="0"/>
           </a:xfrm>
           <a:prstGeom prst="straightConnector1">
@@ -7294,7 +7289,7 @@
         </p:nvCxnSpPr>
         <p:spPr>
           <a:xfrm flipV="1">
-            <a:off x="8638059" y="3559057"/>
+            <a:off x="8231659" y="3559057"/>
             <a:ext cx="1470216" cy="7654"/>
           </a:xfrm>
           <a:prstGeom prst="straightConnector1">
@@ -7340,8 +7335,8 @@
         </p:nvCxnSpPr>
         <p:spPr>
           <a:xfrm>
-            <a:off x="6809363" y="3629465"/>
-            <a:ext cx="1756679" cy="3363"/>
+            <a:off x="6878450" y="3629464"/>
+            <a:ext cx="1281192" cy="3364"/>
           </a:xfrm>
           <a:prstGeom prst="straightConnector1">
             <a:avLst/>
@@ -7384,7 +7379,7 @@
         </p:nvSpPr>
         <p:spPr>
           <a:xfrm>
-            <a:off x="8072160" y="3980260"/>
+            <a:off x="7665760" y="3980260"/>
             <a:ext cx="3903825" cy="2327825"/>
           </a:xfrm>
           <a:prstGeom prst="roundRect">
@@ -7569,7 +7564,7 @@
         </p:nvSpPr>
         <p:spPr>
           <a:xfrm>
-            <a:off x="8735999" y="4300389"/>
+            <a:off x="8329599" y="4300389"/>
             <a:ext cx="1640111" cy="300180"/>
           </a:xfrm>
           <a:prstGeom prst="rect">
@@ -7742,7 +7737,7 @@
         </p:nvCxnSpPr>
         <p:spPr>
           <a:xfrm flipH="1">
-            <a:off x="9556671" y="4591495"/>
+            <a:off x="9150271" y="4591495"/>
             <a:ext cx="1" cy="1137770"/>
           </a:xfrm>
           <a:prstGeom prst="line">
@@ -7787,7 +7782,7 @@
         </p:nvSpPr>
         <p:spPr>
           <a:xfrm>
-            <a:off x="9472998" y="4582199"/>
+            <a:off x="9066598" y="4582199"/>
             <a:ext cx="168896" cy="168814"/>
           </a:xfrm>
           <a:prstGeom prst="rect">
@@ -7941,7 +7936,7 @@
         <p:spPr>
           <a:xfrm>
             <a:off x="6829019" y="4300389"/>
-            <a:ext cx="1902817" cy="0"/>
+            <a:ext cx="1464518" cy="0"/>
           </a:xfrm>
           <a:prstGeom prst="straightConnector1">
             <a:avLst/>
@@ -7984,8 +7979,8 @@
         </p:nvCxnSpPr>
         <p:spPr>
           <a:xfrm>
-            <a:off x="6829019" y="4582199"/>
-            <a:ext cx="1902817" cy="10273"/>
+            <a:off x="6916125" y="4589414"/>
+            <a:ext cx="1409311" cy="3058"/>
           </a:xfrm>
           <a:prstGeom prst="straightConnector1">
             <a:avLst/>
@@ -8027,14 +8022,13 @@
           </p:cNvPr>
           <p:cNvCxnSpPr>
             <a:cxnSpLocks/>
-            <a:endCxn id="62" idx="0"/>
           </p:cNvCxnSpPr>
           <p:nvPr/>
         </p:nvCxnSpPr>
         <p:spPr>
           <a:xfrm>
-            <a:off x="6875478" y="4887001"/>
-            <a:ext cx="2688406" cy="0"/>
+            <a:off x="6882878" y="4903639"/>
+            <a:ext cx="2144201" cy="0"/>
           </a:xfrm>
           <a:prstGeom prst="straightConnector1">
             <a:avLst/>
@@ -8075,7 +8069,7 @@
         </p:nvSpPr>
         <p:spPr>
           <a:xfrm>
-            <a:off x="9479436" y="4887001"/>
+            <a:off x="9073036" y="4887001"/>
             <a:ext cx="168896" cy="328972"/>
           </a:xfrm>
           <a:prstGeom prst="rect">
@@ -8226,7 +8220,7 @@
         </p:nvSpPr>
         <p:spPr>
           <a:xfrm>
-            <a:off x="7333361" y="4072476"/>
+            <a:off x="6926961" y="4072476"/>
             <a:ext cx="1492973" cy="184666"/>
           </a:xfrm>
           <a:prstGeom prst="rect">
@@ -8371,7 +8365,7 @@
         </p:nvSpPr>
         <p:spPr>
           <a:xfrm>
-            <a:off x="7348794" y="4658774"/>
+            <a:off x="6942394" y="4658774"/>
             <a:ext cx="1217247" cy="215444"/>
           </a:xfrm>
           <a:prstGeom prst="rect">
@@ -8518,8 +8512,8 @@
         </p:nvCxnSpPr>
         <p:spPr>
           <a:xfrm>
-            <a:off x="6836178" y="5198168"/>
-            <a:ext cx="2732257" cy="10254"/>
+            <a:off x="6892326" y="5205364"/>
+            <a:ext cx="2269709" cy="3058"/>
           </a:xfrm>
           <a:prstGeom prst="straightConnector1">
             <a:avLst/>
@@ -8564,7 +8558,7 @@
         </p:nvSpPr>
         <p:spPr>
           <a:xfrm>
-            <a:off x="9632996" y="4984827"/>
+            <a:off x="9226596" y="4984827"/>
             <a:ext cx="130731" cy="95991"/>
           </a:xfrm>
           <a:prstGeom prst="rect">
@@ -8717,7 +8711,7 @@
         </p:nvCxnSpPr>
         <p:spPr>
           <a:xfrm>
-            <a:off x="9670506" y="4887003"/>
+            <a:off x="9264106" y="4887003"/>
             <a:ext cx="93222" cy="87003"/>
           </a:xfrm>
           <a:prstGeom prst="curvedConnector3">
@@ -8763,7 +8757,7 @@
         </p:nvSpPr>
         <p:spPr>
           <a:xfrm>
-            <a:off x="9990585" y="4752979"/>
+            <a:off x="9584185" y="4752979"/>
             <a:ext cx="1217247" cy="215444"/>
           </a:xfrm>
           <a:prstGeom prst="rect">
@@ -8910,7 +8904,7 @@
         </p:nvCxnSpPr>
         <p:spPr>
           <a:xfrm rot="10800000" flipV="1">
-            <a:off x="9678158" y="5086762"/>
+            <a:off x="9271758" y="5086762"/>
             <a:ext cx="130391" cy="57409"/>
           </a:xfrm>
           <a:prstGeom prst="curvedConnector3">

--- a/docs/diagrams/RegisterDoctorSequenceDiagram.pptx
+++ b/docs/diagrams/RegisterDoctorSequenceDiagram.pptx
@@ -104,6 +104,11 @@
       </a:defRPr>
     </a:lvl9pPr>
   </p:defaultTextStyle>
+  <p:extLst>
+    <p:ext uri="{EFAFB233-063F-42B5-8137-9DF3F51BA10A}">
+      <p15:sldGuideLst xmlns:p15="http://schemas.microsoft.com/office/powerpoint/2012/main"/>
+    </p:ext>
+  </p:extLst>
 </p:presentation>
 </file>
 
@@ -256,7 +261,7 @@
           <a:p>
             <a:fld id="{5C24EE0F-D845-48DD-AAFC-828C42F8D67C}" type="datetimeFigureOut">
               <a:rPr lang="en-SG" smtClean="0"/>
-              <a:t>24/10/2018</a:t>
+              <a:t>12/11/2018</a:t>
             </a:fld>
             <a:endParaRPr lang="en-SG"/>
           </a:p>
@@ -456,7 +461,7 @@
           <a:p>
             <a:fld id="{5C24EE0F-D845-48DD-AAFC-828C42F8D67C}" type="datetimeFigureOut">
               <a:rPr lang="en-SG" smtClean="0"/>
-              <a:t>24/10/2018</a:t>
+              <a:t>12/11/2018</a:t>
             </a:fld>
             <a:endParaRPr lang="en-SG"/>
           </a:p>
@@ -666,7 +671,7 @@
           <a:p>
             <a:fld id="{5C24EE0F-D845-48DD-AAFC-828C42F8D67C}" type="datetimeFigureOut">
               <a:rPr lang="en-SG" smtClean="0"/>
-              <a:t>24/10/2018</a:t>
+              <a:t>12/11/2018</a:t>
             </a:fld>
             <a:endParaRPr lang="en-SG"/>
           </a:p>
@@ -866,7 +871,7 @@
           <a:p>
             <a:fld id="{5C24EE0F-D845-48DD-AAFC-828C42F8D67C}" type="datetimeFigureOut">
               <a:rPr lang="en-SG" smtClean="0"/>
-              <a:t>24/10/2018</a:t>
+              <a:t>12/11/2018</a:t>
             </a:fld>
             <a:endParaRPr lang="en-SG"/>
           </a:p>
@@ -1142,7 +1147,7 @@
           <a:p>
             <a:fld id="{5C24EE0F-D845-48DD-AAFC-828C42F8D67C}" type="datetimeFigureOut">
               <a:rPr lang="en-SG" smtClean="0"/>
-              <a:t>24/10/2018</a:t>
+              <a:t>12/11/2018</a:t>
             </a:fld>
             <a:endParaRPr lang="en-SG"/>
           </a:p>
@@ -1410,7 +1415,7 @@
           <a:p>
             <a:fld id="{5C24EE0F-D845-48DD-AAFC-828C42F8D67C}" type="datetimeFigureOut">
               <a:rPr lang="en-SG" smtClean="0"/>
-              <a:t>24/10/2018</a:t>
+              <a:t>12/11/2018</a:t>
             </a:fld>
             <a:endParaRPr lang="en-SG"/>
           </a:p>
@@ -1825,7 +1830,7 @@
           <a:p>
             <a:fld id="{5C24EE0F-D845-48DD-AAFC-828C42F8D67C}" type="datetimeFigureOut">
               <a:rPr lang="en-SG" smtClean="0"/>
-              <a:t>24/10/2018</a:t>
+              <a:t>12/11/2018</a:t>
             </a:fld>
             <a:endParaRPr lang="en-SG"/>
           </a:p>
@@ -1967,7 +1972,7 @@
           <a:p>
             <a:fld id="{5C24EE0F-D845-48DD-AAFC-828C42F8D67C}" type="datetimeFigureOut">
               <a:rPr lang="en-SG" smtClean="0"/>
-              <a:t>24/10/2018</a:t>
+              <a:t>12/11/2018</a:t>
             </a:fld>
             <a:endParaRPr lang="en-SG"/>
           </a:p>
@@ -2080,7 +2085,7 @@
           <a:p>
             <a:fld id="{5C24EE0F-D845-48DD-AAFC-828C42F8D67C}" type="datetimeFigureOut">
               <a:rPr lang="en-SG" smtClean="0"/>
-              <a:t>24/10/2018</a:t>
+              <a:t>12/11/2018</a:t>
             </a:fld>
             <a:endParaRPr lang="en-SG"/>
           </a:p>
@@ -2393,7 +2398,7 @@
           <a:p>
             <a:fld id="{5C24EE0F-D845-48DD-AAFC-828C42F8D67C}" type="datetimeFigureOut">
               <a:rPr lang="en-SG" smtClean="0"/>
-              <a:t>24/10/2018</a:t>
+              <a:t>12/11/2018</a:t>
             </a:fld>
             <a:endParaRPr lang="en-SG"/>
           </a:p>
@@ -2682,7 +2687,7 @@
           <a:p>
             <a:fld id="{5C24EE0F-D845-48DD-AAFC-828C42F8D67C}" type="datetimeFigureOut">
               <a:rPr lang="en-SG" smtClean="0"/>
-              <a:t>24/10/2018</a:t>
+              <a:t>12/11/2018</a:t>
             </a:fld>
             <a:endParaRPr lang="en-SG"/>
           </a:p>
@@ -2925,7 +2930,7 @@
           <a:p>
             <a:fld id="{5C24EE0F-D845-48DD-AAFC-828C42F8D67C}" type="datetimeFigureOut">
               <a:rPr lang="en-SG" smtClean="0"/>
-              <a:t>24/10/2018</a:t>
+              <a:t>12/11/2018</a:t>
             </a:fld>
             <a:endParaRPr lang="en-SG"/>
           </a:p>
@@ -4172,7 +4177,7 @@
                   <a:schemeClr val="bg1"/>
                 </a:solidFill>
               </a:rPr>
-              <a:t>:Address</a:t>
+              <a:t>:Health</a:t>
             </a:r>
           </a:p>
           <a:p>
@@ -5911,7 +5916,7 @@
                   <a:schemeClr val="bg1"/>
                 </a:solidFill>
               </a:rPr>
-              <a:t>VersionedAddressBook</a:t>
+              <a:t>VersionedHealthBook</a:t>
             </a:r>
             <a:endParaRPr lang="en-SG" sz="1400" dirty="0">
               <a:solidFill>
@@ -7511,34 +7516,14 @@
           </a:lstStyle>
           <a:p>
             <a:r>
-              <a:rPr lang="en-US" sz="1400" b="1">
+              <a:rPr lang="en-US" sz="1400" b="1" dirty="0">
                 <a:solidFill>
                   <a:schemeClr val="accent6">
                     <a:lumMod val="50000"/>
                   </a:schemeClr>
                 </a:solidFill>
               </a:rPr>
-              <a:t>         </a:t>
-            </a:r>
-            <a:r>
-              <a:rPr lang="en-US" sz="1400" b="1" dirty="0">
-                <a:solidFill>
-                  <a:schemeClr val="accent6">
-                    <a:lumMod val="50000"/>
-                  </a:schemeClr>
-                </a:solidFill>
-              </a:rPr>
-              <a:t> </a:t>
-            </a:r>
-            <a:r>
-              <a:rPr lang="en-US" sz="1400" b="1">
-                <a:solidFill>
-                  <a:schemeClr val="accent6">
-                    <a:lumMod val="50000"/>
-                  </a:schemeClr>
-                </a:solidFill>
-              </a:rPr>
-              <a:t>Calendar</a:t>
+              <a:t>          	Calendar</a:t>
             </a:r>
             <a:endParaRPr lang="en-SG" sz="1400" b="1" dirty="0">
               <a:solidFill>
@@ -7565,7 +7550,7 @@
         <p:spPr>
           <a:xfrm>
             <a:off x="8329599" y="4300389"/>
-            <a:ext cx="1640111" cy="300180"/>
+            <a:ext cx="2144201" cy="281469"/>
           </a:xfrm>
           <a:prstGeom prst="rect">
             <a:avLst/>
@@ -7711,7 +7696,7 @@
                   <a:schemeClr val="bg1"/>
                 </a:solidFill>
               </a:rPr>
-              <a:t>CalendarManager</a:t>
+              <a:t>GoogleCalendarManager</a:t>
             </a:r>
             <a:endParaRPr lang="en-SG" sz="1400" dirty="0">
               <a:solidFill>
@@ -8221,7 +8206,7 @@
         <p:spPr>
           <a:xfrm>
             <a:off x="6926961" y="4072476"/>
-            <a:ext cx="1492973" cy="184666"/>
+            <a:ext cx="1652108" cy="184666"/>
           </a:xfrm>
           <a:prstGeom prst="rect">
             <a:avLst/>
@@ -8336,7 +8321,7 @@
                   </a:schemeClr>
                 </a:solidFill>
               </a:rPr>
-              <a:t>CalendarManager</a:t>
+              <a:t>GoogleCalendarManager</a:t>
             </a:r>
             <a:r>
               <a:rPr lang="en-US" sz="1200" dirty="0">
